--- a/2016Q2/iReport.pptx
+++ b/2016Q2/iReport.pptx
@@ -6554,15 +6554,7 @@
                 <a:ea typeface="微軟正黑體" charset="0"/>
                 <a:cs typeface="微軟正黑體" charset="0"/>
               </a:rPr>
-              <a:t>顯式於每</a:t>
-            </a:r>
-            <a:r>
-              <a:rPr lang="zh-TW" altLang="en-US" baseline="0" dirty="0" smtClean="0">
-                <a:latin typeface="微軟正黑體" charset="0"/>
-                <a:ea typeface="微軟正黑體" charset="0"/>
-                <a:cs typeface="微軟正黑體" charset="0"/>
-              </a:rPr>
-              <a:t>頁開頭</a:t>
+              <a:t>顯式於每頁開頭</a:t>
             </a:r>
             <a:endParaRPr lang="en-US" altLang="zh-TW" baseline="0" dirty="0" smtClean="0">
               <a:latin typeface="微軟正黑體" charset="0"/>
@@ -7345,7 +7337,15 @@
                 <a:ea typeface="微軟正黑體" charset="0"/>
                 <a:cs typeface="微軟正黑體" charset="0"/>
               </a:rPr>
-              <a:t>顯式於每頁</a:t>
+              <a:t>顯式於每頁結尾</a:t>
+            </a:r>
+            <a:r>
+              <a:rPr lang="en-US" altLang="zh-TW" baseline="0" dirty="0" smtClean="0">
+                <a:latin typeface="微軟正黑體" charset="0"/>
+                <a:ea typeface="微軟正黑體" charset="0"/>
+                <a:cs typeface="微軟正黑體" charset="0"/>
+              </a:rPr>
+              <a:t>(</a:t>
             </a:r>
             <a:r>
               <a:rPr lang="zh-TW" altLang="en-US" baseline="0" dirty="0" smtClean="0">
@@ -7353,7 +7353,7 @@
                 <a:ea typeface="微軟正黑體" charset="0"/>
                 <a:cs typeface="微軟正黑體" charset="0"/>
               </a:rPr>
-              <a:t>結尾</a:t>
+              <a:t>繪置底</a:t>
             </a:r>
             <a:r>
               <a:rPr lang="en-US" altLang="zh-TW" baseline="0" dirty="0" smtClean="0">
@@ -7361,23 +7361,25 @@
                 <a:ea typeface="微軟正黑體" charset="0"/>
                 <a:cs typeface="微軟正黑體" charset="0"/>
               </a:rPr>
-              <a:t>(</a:t>
-            </a:r>
-            <a:r>
-              <a:rPr lang="zh-TW" altLang="en-US" baseline="0" dirty="0" smtClean="0">
-                <a:latin typeface="微軟正黑體" charset="0"/>
-                <a:ea typeface="微軟正黑體" charset="0"/>
-                <a:cs typeface="微軟正黑體" charset="0"/>
-              </a:rPr>
-              <a:t>繪置底</a:t>
-            </a:r>
-            <a:r>
-              <a:rPr lang="en-US" altLang="zh-TW" baseline="0" dirty="0" smtClean="0">
-                <a:latin typeface="微軟正黑體" charset="0"/>
-                <a:ea typeface="微軟正黑體" charset="0"/>
-                <a:cs typeface="微軟正黑體" charset="0"/>
-              </a:rPr>
               <a:t>)</a:t>
+            </a:r>
+          </a:p>
+          <a:p>
+            <a:pPr marL="1200150" lvl="2" indent="-285750">
+              <a:spcBef>
+                <a:spcPct val="20000"/>
+              </a:spcBef>
+              <a:buFont typeface="Wingdings" charset="0"/>
+              <a:buChar char="n"/>
+              <a:defRPr/>
+            </a:pPr>
+            <a:r>
+              <a:rPr lang="zh-TW" altLang="en-US" baseline="0" dirty="0">
+                <a:latin typeface="微軟正黑體" charset="0"/>
+                <a:ea typeface="微軟正黑體" charset="0"/>
+                <a:cs typeface="微軟正黑體" charset="0"/>
+              </a:rPr>
+              <a:t>通常用於顯示頁碼</a:t>
             </a:r>
             <a:endParaRPr lang="en-US" altLang="zh-TW" baseline="0" dirty="0" smtClean="0">
               <a:latin typeface="微軟正黑體" charset="0"/>
@@ -7394,14 +7396,6 @@
               <a:buChar char="n"/>
               <a:defRPr/>
             </a:pPr>
-            <a:r>
-              <a:rPr lang="zh-TW" altLang="en-US" baseline="0" dirty="0">
-                <a:latin typeface="微軟正黑體" charset="0"/>
-                <a:ea typeface="微軟正黑體" charset="0"/>
-                <a:cs typeface="微軟正黑體" charset="0"/>
-              </a:rPr>
-              <a:t>通常用於顯示頁碼</a:t>
-            </a:r>
             <a:endParaRPr lang="en-US" altLang="zh-TW" baseline="0" dirty="0" smtClean="0">
               <a:latin typeface="微軟正黑體" charset="0"/>
               <a:ea typeface="微軟正黑體" charset="0"/>
@@ -7409,7 +7403,7 @@
             </a:endParaRPr>
           </a:p>
           <a:p>
-            <a:pPr marL="1200150" lvl="2" indent="-285750">
+            <a:pPr marL="742950" lvl="1" indent="-285750">
               <a:spcBef>
                 <a:spcPct val="20000"/>
               </a:spcBef>
@@ -7417,6 +7411,14 @@
               <a:buChar char="n"/>
               <a:defRPr/>
             </a:pPr>
+            <a:r>
+              <a:rPr lang="en-US" altLang="zh-TW" baseline="0" dirty="0" err="1" smtClean="0">
+                <a:latin typeface="微軟正黑體" charset="0"/>
+                <a:ea typeface="微軟正黑體" charset="0"/>
+                <a:cs typeface="微軟正黑體" charset="0"/>
+              </a:rPr>
+              <a:t>LastPageFooter</a:t>
+            </a:r>
             <a:endParaRPr lang="en-US" altLang="zh-TW" baseline="0" dirty="0" smtClean="0">
               <a:latin typeface="微軟正黑體" charset="0"/>
               <a:ea typeface="微軟正黑體" charset="0"/>
@@ -7424,7 +7426,7 @@
             </a:endParaRPr>
           </a:p>
           <a:p>
-            <a:pPr marL="742950" lvl="1" indent="-285750">
+            <a:pPr marL="1200150" lvl="2" indent="-285750">
               <a:spcBef>
                 <a:spcPct val="20000"/>
               </a:spcBef>
@@ -7433,43 +7435,36 @@
               <a:defRPr/>
             </a:pPr>
             <a:r>
+              <a:rPr lang="zh-TW" altLang="en-US" baseline="0" dirty="0" smtClean="0">
+                <a:latin typeface="微軟正黑體" charset="0"/>
+                <a:ea typeface="微軟正黑體" charset="0"/>
+                <a:cs typeface="微軟正黑體" charset="0"/>
+              </a:rPr>
+              <a:t>與</a:t>
+            </a:r>
+            <a:r>
               <a:rPr lang="en-US" altLang="zh-TW" baseline="0" dirty="0" err="1" smtClean="0">
                 <a:latin typeface="微軟正黑體" charset="0"/>
                 <a:ea typeface="微軟正黑體" charset="0"/>
                 <a:cs typeface="微軟正黑體" charset="0"/>
               </a:rPr>
-              <a:t>LastPageFooter</a:t>
-            </a:r>
-            <a:endParaRPr lang="en-US" altLang="zh-TW" baseline="0" dirty="0" smtClean="0">
-              <a:latin typeface="微軟正黑體" charset="0"/>
-              <a:ea typeface="微軟正黑體" charset="0"/>
-              <a:cs typeface="微軟正黑體" charset="0"/>
-            </a:endParaRPr>
-          </a:p>
-          <a:p>
-            <a:pPr marL="1200150" lvl="2" indent="-285750">
-              <a:spcBef>
-                <a:spcPct val="20000"/>
-              </a:spcBef>
-              <a:buFont typeface="Wingdings" charset="0"/>
-              <a:buChar char="n"/>
-              <a:defRPr/>
-            </a:pPr>
+              <a:t>PageFooter</a:t>
+            </a:r>
             <a:r>
               <a:rPr lang="zh-TW" altLang="en-US" baseline="0" dirty="0" smtClean="0">
                 <a:latin typeface="微軟正黑體" charset="0"/>
                 <a:ea typeface="微軟正黑體" charset="0"/>
                 <a:cs typeface="微軟正黑體" charset="0"/>
               </a:rPr>
-              <a:t>與</a:t>
-            </a:r>
-            <a:r>
-              <a:rPr lang="en-US" altLang="zh-TW" baseline="0" dirty="0" err="1" smtClean="0">
-                <a:latin typeface="微軟正黑體" charset="0"/>
-                <a:ea typeface="微軟正黑體" charset="0"/>
-                <a:cs typeface="微軟正黑體" charset="0"/>
-              </a:rPr>
-              <a:t>PageFooter</a:t>
+              <a:t>相同</a:t>
+            </a:r>
+            <a:r>
+              <a:rPr lang="en-US" altLang="zh-TW" baseline="0" dirty="0" smtClean="0">
+                <a:latin typeface="微軟正黑體" charset="0"/>
+                <a:ea typeface="微軟正黑體" charset="0"/>
+                <a:cs typeface="微軟正黑體" charset="0"/>
+              </a:rPr>
+              <a:t>, </a:t>
             </a:r>
             <a:r>
               <a:rPr lang="zh-TW" altLang="en-US" baseline="0" dirty="0" smtClean="0">
@@ -7477,7 +7472,15 @@
                 <a:ea typeface="微軟正黑體" charset="0"/>
                 <a:cs typeface="微軟正黑體" charset="0"/>
               </a:rPr>
-              <a:t>相同</a:t>
+              <a:t>若</a:t>
+            </a:r>
+            <a:r>
+              <a:rPr lang="zh-TW" altLang="en-US" baseline="0" dirty="0">
+                <a:latin typeface="微軟正黑體" charset="0"/>
+                <a:ea typeface="微軟正黑體" charset="0"/>
+                <a:cs typeface="微軟正黑體" charset="0"/>
+              </a:rPr>
+              <a:t>有定義的時候</a:t>
             </a:r>
             <a:r>
               <a:rPr lang="en-US" altLang="zh-TW" baseline="0" dirty="0" smtClean="0">
@@ -7493,39 +7496,7 @@
                 <a:ea typeface="微軟正黑體" charset="0"/>
                 <a:cs typeface="微軟正黑體" charset="0"/>
               </a:rPr>
-              <a:t>若</a:t>
-            </a:r>
-            <a:r>
-              <a:rPr lang="zh-TW" altLang="en-US" baseline="0" dirty="0">
-                <a:latin typeface="微軟正黑體" charset="0"/>
-                <a:ea typeface="微軟正黑體" charset="0"/>
-                <a:cs typeface="微軟正黑體" charset="0"/>
-              </a:rPr>
-              <a:t>有定義的時候</a:t>
-            </a:r>
-            <a:r>
-              <a:rPr lang="en-US" altLang="zh-TW" baseline="0" dirty="0" smtClean="0">
-                <a:latin typeface="微軟正黑體" charset="0"/>
-                <a:ea typeface="微軟正黑體" charset="0"/>
-                <a:cs typeface="微軟正黑體" charset="0"/>
-              </a:rPr>
-              <a:t>, </a:t>
-            </a:r>
-            <a:r>
-              <a:rPr lang="zh-TW" altLang="en-US" baseline="0" dirty="0" smtClean="0">
-                <a:latin typeface="微軟正黑體" charset="0"/>
-                <a:ea typeface="微軟正黑體" charset="0"/>
-                <a:cs typeface="微軟正黑體" charset="0"/>
-              </a:rPr>
-              <a:t>會</a:t>
-            </a:r>
-            <a:r>
-              <a:rPr lang="zh-TW" altLang="en-US" baseline="0" dirty="0" smtClean="0">
-                <a:latin typeface="微軟正黑體" charset="0"/>
-                <a:ea typeface="微軟正黑體" charset="0"/>
-                <a:cs typeface="微軟正黑體" charset="0"/>
-              </a:rPr>
-              <a:t>在最後一頁取代</a:t>
+              <a:t>會在最後一頁取代</a:t>
             </a:r>
             <a:r>
               <a:rPr lang="en-US" altLang="zh-TW" baseline="0" dirty="0" err="1" smtClean="0">
@@ -9947,7 +9918,11 @@
             </a:r>
             <a:r>
               <a:rPr lang="zh-TW" altLang="en-US" dirty="0" smtClean="0"/>
-              <a:t>子報表建立方式 </a:t>
+              <a:t>子報表</a:t>
+            </a:r>
+            <a:r>
+              <a:rPr lang="zh-TW" altLang="en-US" dirty="0" smtClean="0"/>
+              <a:t>建立 </a:t>
             </a:r>
             <a:r>
               <a:rPr lang="en-US" altLang="zh-TW" dirty="0" smtClean="0"/>
@@ -10746,7 +10721,11 @@
             </a:r>
             <a:r>
               <a:rPr lang="zh-TW" altLang="en-US" dirty="0" smtClean="0"/>
-              <a:t>子報表建立方式 </a:t>
+              <a:t>子報表</a:t>
+            </a:r>
+            <a:r>
+              <a:rPr lang="zh-TW" altLang="en-US" dirty="0" smtClean="0"/>
+              <a:t>建立 </a:t>
             </a:r>
             <a:r>
               <a:rPr lang="en-US" altLang="zh-TW" dirty="0" smtClean="0"/>
@@ -11103,15 +11082,7 @@
                 <a:ea typeface="微軟正黑體" charset="0"/>
                 <a:cs typeface="微軟正黑體" charset="0"/>
               </a:rPr>
-              <a:t>新增子</a:t>
-            </a:r>
-            <a:r>
-              <a:rPr lang="zh-TW" altLang="en-US" baseline="0" dirty="0" smtClean="0">
-                <a:latin typeface="微軟正黑體" charset="0"/>
-                <a:ea typeface="微軟正黑體" charset="0"/>
-                <a:cs typeface="微軟正黑體" charset="0"/>
-              </a:rPr>
-              <a:t>報表區塊</a:t>
+              <a:t>新增子報表區塊</a:t>
             </a:r>
             <a:endParaRPr lang="en-US" altLang="zh-TW" baseline="0" dirty="0" smtClean="0">
               <a:latin typeface="微軟正黑體" charset="0"/>
@@ -11345,15 +11316,7 @@
                 <a:ea typeface="微軟正黑體" charset="0"/>
                 <a:cs typeface="微軟正黑體" charset="0"/>
               </a:rPr>
-              <a:t>設定</a:t>
-            </a:r>
-            <a:r>
-              <a:rPr lang="zh-TW" altLang="en-US" baseline="0" dirty="0" smtClean="0">
-                <a:latin typeface="微軟正黑體" charset="0"/>
-                <a:ea typeface="微軟正黑體" charset="0"/>
-                <a:cs typeface="微軟正黑體" charset="0"/>
-              </a:rPr>
-              <a:t>子報表的</a:t>
+              <a:t>設定子報表的</a:t>
             </a:r>
             <a:r>
               <a:rPr lang="en-US" altLang="zh-TW" baseline="0" dirty="0" smtClean="0">
@@ -11423,7 +11386,15 @@
                 <a:ea typeface="微軟正黑體" charset="0"/>
                 <a:cs typeface="微軟正黑體" charset="0"/>
               </a:rPr>
-              <a:t>的型</a:t>
+              <a:t>的型別</a:t>
+            </a:r>
+            <a:r>
+              <a:rPr lang="en-US" altLang="zh-TW" baseline="0" dirty="0" smtClean="0">
+                <a:latin typeface="微軟正黑體" charset="0"/>
+                <a:ea typeface="微軟正黑體" charset="0"/>
+                <a:cs typeface="微軟正黑體" charset="0"/>
+              </a:rPr>
+              <a:t>, </a:t>
             </a:r>
             <a:r>
               <a:rPr lang="zh-TW" altLang="en-US" baseline="0" dirty="0" smtClean="0">
@@ -11431,7 +11402,7 @@
                 <a:ea typeface="微軟正黑體" charset="0"/>
                 <a:cs typeface="微軟正黑體" charset="0"/>
               </a:rPr>
-              <a:t>別</a:t>
+              <a:t>由於後續會由</a:t>
             </a:r>
             <a:r>
               <a:rPr lang="en-US" altLang="zh-TW" baseline="0" dirty="0" smtClean="0">
@@ -11439,6 +11410,22 @@
                 <a:ea typeface="微軟正黑體" charset="0"/>
                 <a:cs typeface="微軟正黑體" charset="0"/>
               </a:rPr>
+              <a:t>Parameters</a:t>
+            </a:r>
+            <a:r>
+              <a:rPr lang="zh-TW" altLang="en-US" baseline="0" dirty="0" smtClean="0">
+                <a:latin typeface="微軟正黑體" charset="0"/>
+                <a:ea typeface="微軟正黑體" charset="0"/>
+                <a:cs typeface="微軟正黑體" charset="0"/>
+              </a:rPr>
+              <a:t>的型別控管</a:t>
+            </a:r>
+            <a:r>
+              <a:rPr lang="en-US" altLang="zh-TW" baseline="0" dirty="0" smtClean="0">
+                <a:latin typeface="微軟正黑體" charset="0"/>
+                <a:ea typeface="微軟正黑體" charset="0"/>
+                <a:cs typeface="微軟正黑體" charset="0"/>
+              </a:rPr>
               <a:t>, </a:t>
             </a:r>
             <a:r>
@@ -11447,71 +11434,7 @@
                 <a:ea typeface="微軟正黑體" charset="0"/>
                 <a:cs typeface="微軟正黑體" charset="0"/>
               </a:rPr>
-              <a:t>由於後續</a:t>
-            </a:r>
-            <a:r>
-              <a:rPr lang="zh-TW" altLang="en-US" baseline="0" dirty="0" smtClean="0">
-                <a:latin typeface="微軟正黑體" charset="0"/>
-                <a:ea typeface="微軟正黑體" charset="0"/>
-                <a:cs typeface="微軟正黑體" charset="0"/>
-              </a:rPr>
-              <a:t>會由</a:t>
-            </a:r>
-            <a:r>
-              <a:rPr lang="en-US" altLang="zh-TW" baseline="0" dirty="0" smtClean="0">
-                <a:latin typeface="微軟正黑體" charset="0"/>
-                <a:ea typeface="微軟正黑體" charset="0"/>
-                <a:cs typeface="微軟正黑體" charset="0"/>
-              </a:rPr>
-              <a:t>Parameters</a:t>
-            </a:r>
-            <a:r>
-              <a:rPr lang="zh-TW" altLang="en-US" baseline="0" dirty="0" smtClean="0">
-                <a:latin typeface="微軟正黑體" charset="0"/>
-                <a:ea typeface="微軟正黑體" charset="0"/>
-                <a:cs typeface="微軟正黑體" charset="0"/>
-              </a:rPr>
-              <a:t>的型別控</a:t>
-            </a:r>
-            <a:r>
-              <a:rPr lang="zh-TW" altLang="en-US" baseline="0" dirty="0" smtClean="0">
-                <a:latin typeface="微軟正黑體" charset="0"/>
-                <a:ea typeface="微軟正黑體" charset="0"/>
-                <a:cs typeface="微軟正黑體" charset="0"/>
-              </a:rPr>
-              <a:t>管</a:t>
-            </a:r>
-            <a:r>
-              <a:rPr lang="en-US" altLang="zh-TW" baseline="0" dirty="0" smtClean="0">
-                <a:latin typeface="微軟正黑體" charset="0"/>
-                <a:ea typeface="微軟正黑體" charset="0"/>
-                <a:cs typeface="微軟正黑體" charset="0"/>
-              </a:rPr>
-              <a:t>, </a:t>
-            </a:r>
-            <a:r>
-              <a:rPr lang="zh-TW" altLang="en-US" baseline="0" dirty="0" smtClean="0">
-                <a:latin typeface="微軟正黑體" charset="0"/>
-                <a:ea typeface="微軟正黑體" charset="0"/>
-                <a:cs typeface="微軟正黑體" charset="0"/>
-              </a:rPr>
-              <a:t>因此此處</a:t>
-            </a:r>
-            <a:r>
-              <a:rPr lang="zh-TW" altLang="en-US" baseline="0" dirty="0" smtClean="0">
-                <a:latin typeface="微軟正黑體" charset="0"/>
-                <a:ea typeface="微軟正黑體" charset="0"/>
-                <a:cs typeface="微軟正黑體" charset="0"/>
-              </a:rPr>
-              <a:t>可</a:t>
-            </a:r>
-            <a:r>
-              <a:rPr lang="zh-TW" altLang="en-US" baseline="0" dirty="0" smtClean="0">
-                <a:latin typeface="微軟正黑體" charset="0"/>
-                <a:ea typeface="微軟正黑體" charset="0"/>
-                <a:cs typeface="微軟正黑體" charset="0"/>
-              </a:rPr>
-              <a:t>無視</a:t>
+              <a:t>因此此處可無視</a:t>
             </a:r>
             <a:endParaRPr lang="en-US" altLang="zh-TW" baseline="0" dirty="0" smtClean="0">
               <a:latin typeface="微軟正黑體" charset="0"/>
@@ -11534,15 +11457,7 @@
                 <a:ea typeface="微軟正黑體" charset="0"/>
                 <a:cs typeface="微軟正黑體" charset="0"/>
               </a:rPr>
-              <a:t>Connection </a:t>
-            </a:r>
-            <a:r>
-              <a:rPr lang="en-US" altLang="zh-TW" baseline="0" dirty="0" smtClean="0">
-                <a:latin typeface="微軟正黑體" charset="0"/>
-                <a:ea typeface="微軟正黑體" charset="0"/>
-                <a:cs typeface="微軟正黑體" charset="0"/>
-              </a:rPr>
-              <a:t>type</a:t>
+              <a:t>Connection type</a:t>
             </a:r>
             <a:br>
               <a:rPr lang="en-US" altLang="zh-TW" baseline="0" dirty="0" smtClean="0">
@@ -11565,15 +11480,7 @@
                 <a:ea typeface="微軟正黑體" charset="0"/>
                 <a:cs typeface="微軟正黑體" charset="0"/>
               </a:rPr>
-              <a:t>設定</a:t>
-            </a:r>
-            <a:r>
-              <a:rPr lang="zh-TW" altLang="en-US" baseline="0" dirty="0" smtClean="0">
-                <a:latin typeface="微軟正黑體" charset="0"/>
-                <a:ea typeface="微軟正黑體" charset="0"/>
-                <a:cs typeface="微軟正黑體" charset="0"/>
-              </a:rPr>
-              <a:t>子報表的</a:t>
+              <a:t>設定子報表的</a:t>
             </a:r>
             <a:r>
               <a:rPr lang="en-US" altLang="zh-TW" baseline="0" dirty="0" err="1" smtClean="0">
@@ -11760,15 +11667,7 @@
                 <a:ea typeface="微軟正黑體" charset="0"/>
                 <a:cs typeface="微軟正黑體" charset="0"/>
               </a:rPr>
-              <a:t>設定</a:t>
-            </a:r>
-            <a:r>
-              <a:rPr lang="zh-TW" altLang="en-US" baseline="0" dirty="0" smtClean="0">
-                <a:latin typeface="微軟正黑體" charset="0"/>
-                <a:ea typeface="微軟正黑體" charset="0"/>
-                <a:cs typeface="微軟正黑體" charset="0"/>
-              </a:rPr>
-              <a:t>要傳到子報表的</a:t>
+              <a:t>設定要傳到子報表的</a:t>
             </a:r>
             <a:r>
               <a:rPr lang="en-US" altLang="zh-TW" baseline="0" dirty="0">
@@ -11917,7 +11816,11 @@
             </a:r>
             <a:r>
               <a:rPr lang="zh-TW" altLang="en-US" dirty="0" smtClean="0"/>
-              <a:t>子報表建立方式 </a:t>
+              <a:t>子報表</a:t>
+            </a:r>
+            <a:r>
+              <a:rPr lang="zh-TW" altLang="en-US" dirty="0" smtClean="0"/>
+              <a:t>建立 </a:t>
             </a:r>
             <a:r>
               <a:rPr lang="en-US" altLang="zh-TW" dirty="0" smtClean="0"/>
@@ -12569,14 +12472,6 @@
                 <a:cs typeface="微軟正黑體" charset="0"/>
               </a:rPr>
               <a:t>report3</a:t>
-            </a:r>
-            <a:r>
-              <a:rPr lang="en-US" altLang="zh-TW" baseline="0" dirty="0" smtClean="0">
-                <a:latin typeface="微軟正黑體" charset="0"/>
-                <a:ea typeface="微軟正黑體" charset="0"/>
-                <a:cs typeface="微軟正黑體" charset="0"/>
-              </a:rPr>
-              <a:t/>
             </a:r>
             <a:br>
               <a:rPr lang="en-US" altLang="zh-TW" baseline="0" dirty="0" smtClean="0">
@@ -13062,14 +12957,34 @@
               <a:defRPr/>
             </a:pPr>
             <a:r>
-              <a:rPr kumimoji="0" lang="zh-TW" altLang="en-US" dirty="0" smtClean="0">
+              <a:rPr kumimoji="0" lang="en-US" altLang="zh-TW" dirty="0" err="1" smtClean="0">
                 <a:solidFill>
                   <a:schemeClr val="tx1"/>
                 </a:solidFill>
                 <a:latin typeface="微軟正黑體" pitchFamily="34" charset="-120"/>
                 <a:ea typeface="微軟正黑體" pitchFamily="34" charset="-120"/>
               </a:rPr>
-              <a:t>日常維運</a:t>
+              <a:t>JasperReport</a:t>
+            </a:r>
+            <a:r>
+              <a:rPr kumimoji="0" lang="zh-TW" altLang="en-US" dirty="0">
+                <a:solidFill>
+                  <a:schemeClr val="tx1"/>
+                </a:solidFill>
+                <a:latin typeface="微軟正黑體" pitchFamily="34" charset="-120"/>
+                <a:ea typeface="微軟正黑體" pitchFamily="34" charset="-120"/>
+              </a:rPr>
+              <a:t> </a:t>
+            </a:r>
+            <a:r>
+              <a:rPr kumimoji="0" lang="zh-TW" altLang="en-US" dirty="0" smtClean="0">
+                <a:solidFill>
+                  <a:schemeClr val="tx1"/>
+                </a:solidFill>
+                <a:latin typeface="微軟正黑體" pitchFamily="34" charset="-120"/>
+                <a:ea typeface="微軟正黑體" pitchFamily="34" charset="-120"/>
+              </a:rPr>
+              <a:t>簡介</a:t>
             </a:r>
             <a:endParaRPr kumimoji="0" lang="en-US" altLang="zh-TW" dirty="0" smtClean="0">
               <a:solidFill>
@@ -13091,7 +13006,7 @@
                 <a:latin typeface="微軟正黑體" pitchFamily="34" charset="-120"/>
                 <a:ea typeface="微軟正黑體" pitchFamily="34" charset="-120"/>
               </a:rPr>
-              <a:t>系統基本</a:t>
+              <a:t>基本</a:t>
             </a:r>
             <a:r>
               <a:rPr kumimoji="0" lang="zh-TW" altLang="en-US" dirty="0" smtClean="0">
@@ -13101,7 +13016,29 @@
                 <a:latin typeface="微軟正黑體" pitchFamily="34" charset="-120"/>
                 <a:ea typeface="微軟正黑體" pitchFamily="34" charset="-120"/>
               </a:rPr>
-              <a:t>操作</a:t>
+              <a:t>物件</a:t>
+            </a:r>
+            <a:endParaRPr kumimoji="0" lang="en-US" altLang="zh-TW" dirty="0">
+              <a:solidFill>
+                <a:schemeClr val="tx1"/>
+              </a:solidFill>
+              <a:latin typeface="微軟正黑體" pitchFamily="34" charset="-120"/>
+              <a:ea typeface="微軟正黑體" pitchFamily="34" charset="-120"/>
+            </a:endParaRPr>
+          </a:p>
+          <a:p>
+            <a:pPr lvl="1" eaLnBrk="1" hangingPunct="1">
+              <a:defRPr/>
+            </a:pPr>
+            <a:r>
+              <a:rPr kumimoji="0" lang="zh-TW" altLang="en-US" dirty="0" smtClean="0">
+                <a:solidFill>
+                  <a:schemeClr val="tx1"/>
+                </a:solidFill>
+                <a:latin typeface="微軟正黑體" pitchFamily="34" charset="-120"/>
+                <a:ea typeface="微軟正黑體" pitchFamily="34" charset="-120"/>
+              </a:rPr>
+              <a:t>生命週期</a:t>
             </a:r>
             <a:endParaRPr kumimoji="0" lang="en-US" altLang="zh-TW" dirty="0" smtClean="0">
               <a:solidFill>
@@ -13116,46 +13053,14 @@
               <a:defRPr/>
             </a:pPr>
             <a:r>
-              <a:rPr kumimoji="0" lang="zh-TW" altLang="en-US" dirty="0">
+              <a:rPr kumimoji="0" lang="zh-TW" altLang="en-US" dirty="0" smtClean="0">
                 <a:solidFill>
                   <a:schemeClr val="tx1"/>
                 </a:solidFill>
                 <a:latin typeface="微軟正黑體" pitchFamily="34" charset="-120"/>
                 <a:ea typeface="微軟正黑體" pitchFamily="34" charset="-120"/>
               </a:rPr>
-              <a:t>備援</a:t>
-            </a:r>
-            <a:r>
-              <a:rPr kumimoji="0" lang="zh-TW" altLang="en-US" dirty="0" smtClean="0">
-                <a:solidFill>
-                  <a:schemeClr val="tx1"/>
-                </a:solidFill>
-                <a:latin typeface="微軟正黑體" pitchFamily="34" charset="-120"/>
-                <a:ea typeface="微軟正黑體" pitchFamily="34" charset="-120"/>
-              </a:rPr>
-              <a:t>回復方式</a:t>
-            </a:r>
-            <a:endParaRPr kumimoji="0" lang="en-US" altLang="zh-TW" dirty="0">
-              <a:solidFill>
-                <a:schemeClr val="tx1"/>
-              </a:solidFill>
-              <a:latin typeface="微軟正黑體" pitchFamily="34" charset="-120"/>
-              <a:ea typeface="微軟正黑體" pitchFamily="34" charset="-120"/>
-            </a:endParaRPr>
-          </a:p>
-          <a:p>
-            <a:pPr eaLnBrk="1" hangingPunct="1">
-              <a:defRPr/>
-            </a:pPr>
-            <a:r>
-              <a:rPr kumimoji="0" lang="zh-TW" altLang="en-US" dirty="0" smtClean="0">
-                <a:solidFill>
-                  <a:schemeClr val="tx1"/>
-                </a:solidFill>
-                <a:latin typeface="微軟正黑體" pitchFamily="34" charset="-120"/>
-                <a:ea typeface="微軟正黑體" pitchFamily="34" charset="-120"/>
-              </a:rPr>
-              <a:t>技術轉移</a:t>
+              <a:t>下載安裝</a:t>
             </a:r>
             <a:endParaRPr kumimoji="0" lang="en-US" altLang="zh-TW" dirty="0" smtClean="0">
               <a:solidFill>
@@ -13169,16 +13074,6 @@
             <a:pPr lvl="1" eaLnBrk="1" hangingPunct="1">
               <a:defRPr/>
             </a:pPr>
-            <a:r>
-              <a:rPr kumimoji="0" lang="zh-TW" altLang="en-US" dirty="0" smtClean="0">
-                <a:solidFill>
-                  <a:schemeClr val="tx1"/>
-                </a:solidFill>
-                <a:latin typeface="微軟正黑體" pitchFamily="34" charset="-120"/>
-                <a:ea typeface="微軟正黑體" pitchFamily="34" charset="-120"/>
-              </a:rPr>
-              <a:t>開發環境</a:t>
-            </a:r>
             <a:endParaRPr kumimoji="0" lang="en-US" altLang="zh-TW" dirty="0" smtClean="0">
               <a:solidFill>
                 <a:schemeClr val="tx1"/>
@@ -13188,38 +13083,28 @@
             </a:endParaRPr>
           </a:p>
           <a:p>
-            <a:pPr lvl="1" eaLnBrk="1" hangingPunct="1">
-              <a:defRPr/>
-            </a:pPr>
-            <a:r>
-              <a:rPr kumimoji="0" lang="zh-TW" altLang="en-US" dirty="0" smtClean="0">
+            <a:pPr eaLnBrk="1" hangingPunct="1">
+              <a:defRPr/>
+            </a:pPr>
+            <a:r>
+              <a:rPr kumimoji="0" lang="zh-TW" altLang="en-US" dirty="0">
                 <a:solidFill>
                   <a:schemeClr val="tx1"/>
                 </a:solidFill>
                 <a:latin typeface="微軟正黑體" pitchFamily="34" charset="-120"/>
                 <a:ea typeface="微軟正黑體" pitchFamily="34" charset="-120"/>
               </a:rPr>
-              <a:t>設定</a:t>
-            </a:r>
-            <a:r>
-              <a:rPr kumimoji="0" lang="zh-TW" altLang="en-US" dirty="0">
+              <a:t>建立新</a:t>
+            </a:r>
+            <a:r>
+              <a:rPr kumimoji="0" lang="zh-TW" altLang="en-US" dirty="0" smtClean="0">
                 <a:solidFill>
                   <a:schemeClr val="tx1"/>
                 </a:solidFill>
                 <a:latin typeface="微軟正黑體" pitchFamily="34" charset="-120"/>
                 <a:ea typeface="微軟正黑體" pitchFamily="34" charset="-120"/>
               </a:rPr>
-              <a:t>檔</a:t>
-            </a:r>
-            <a:r>
-              <a:rPr kumimoji="0" lang="zh-TW" altLang="en-US" dirty="0" smtClean="0">
-                <a:solidFill>
-                  <a:schemeClr val="tx1"/>
-                </a:solidFill>
-                <a:latin typeface="微軟正黑體" pitchFamily="34" charset="-120"/>
-                <a:ea typeface="微軟正黑體" pitchFamily="34" charset="-120"/>
-              </a:rPr>
-              <a:t>注意事項</a:t>
+              <a:t>專案</a:t>
             </a:r>
             <a:endParaRPr kumimoji="0" lang="en-US" altLang="zh-TW" dirty="0" smtClean="0">
               <a:solidFill>
@@ -13234,25 +13119,37 @@
               <a:defRPr/>
             </a:pPr>
             <a:r>
-              <a:rPr kumimoji="0" lang="zh-TW" altLang="en-US" dirty="0" smtClean="0">
+              <a:rPr kumimoji="0" lang="en-US" altLang="zh-TW" dirty="0" err="1" smtClean="0">
                 <a:solidFill>
                   <a:schemeClr val="tx1"/>
                 </a:solidFill>
                 <a:latin typeface="微軟正黑體" pitchFamily="34" charset="-120"/>
                 <a:ea typeface="微軟正黑體" pitchFamily="34" charset="-120"/>
               </a:rPr>
-              <a:t>包檔</a:t>
-            </a:r>
-            <a:r>
-              <a:rPr kumimoji="0" lang="zh-TW" altLang="en-US" dirty="0">
+              <a:t>iReport</a:t>
+            </a:r>
+            <a:r>
+              <a:rPr kumimoji="0" lang="zh-TW" altLang="en-US" dirty="0" smtClean="0">
                 <a:solidFill>
                   <a:schemeClr val="tx1"/>
                 </a:solidFill>
                 <a:latin typeface="微軟正黑體" pitchFamily="34" charset="-120"/>
                 <a:ea typeface="微軟正黑體" pitchFamily="34" charset="-120"/>
               </a:rPr>
-              <a:t> </a:t>
-            </a:r>
+              <a:t>新建</a:t>
+            </a:r>
+            <a:endParaRPr kumimoji="0" lang="en-US" altLang="zh-TW" dirty="0" smtClean="0">
+              <a:solidFill>
+                <a:schemeClr val="tx1"/>
+              </a:solidFill>
+              <a:latin typeface="微軟正黑體" pitchFamily="34" charset="-120"/>
+              <a:ea typeface="微軟正黑體" pitchFamily="34" charset="-120"/>
+            </a:endParaRPr>
+          </a:p>
+          <a:p>
+            <a:pPr lvl="1" eaLnBrk="1" hangingPunct="1">
+              <a:defRPr/>
+            </a:pPr>
             <a:r>
               <a:rPr kumimoji="0" lang="en-US" altLang="zh-TW" dirty="0" smtClean="0">
                 <a:solidFill>
@@ -13261,7 +13158,7 @@
                 <a:latin typeface="微軟正黑體" pitchFamily="34" charset="-120"/>
                 <a:ea typeface="微軟正黑體" pitchFamily="34" charset="-120"/>
               </a:rPr>
-              <a:t>/ </a:t>
+              <a:t>Report</a:t>
             </a:r>
             <a:r>
               <a:rPr kumimoji="0" lang="zh-TW" altLang="en-US" dirty="0" smtClean="0">
@@ -13271,7 +13168,105 @@
                 <a:latin typeface="微軟正黑體" pitchFamily="34" charset="-120"/>
                 <a:ea typeface="微軟正黑體" pitchFamily="34" charset="-120"/>
               </a:rPr>
-              <a:t>佈署方式</a:t>
+              <a:t>參數設定</a:t>
+            </a:r>
+            <a:endParaRPr kumimoji="0" lang="en-US" altLang="zh-TW" dirty="0" smtClean="0">
+              <a:solidFill>
+                <a:schemeClr val="tx1"/>
+              </a:solidFill>
+              <a:latin typeface="微軟正黑體" pitchFamily="34" charset="-120"/>
+              <a:ea typeface="微軟正黑體" pitchFamily="34" charset="-120"/>
+            </a:endParaRPr>
+          </a:p>
+          <a:p>
+            <a:pPr lvl="1" eaLnBrk="1" hangingPunct="1">
+              <a:defRPr/>
+            </a:pPr>
+            <a:r>
+              <a:rPr kumimoji="0" lang="zh-TW" altLang="en-US" dirty="0">
+                <a:solidFill>
+                  <a:schemeClr val="tx1"/>
+                </a:solidFill>
+                <a:latin typeface="微軟正黑體" pitchFamily="34" charset="-120"/>
+                <a:ea typeface="微軟正黑體" pitchFamily="34" charset="-120"/>
+              </a:rPr>
+              <a:t>常用</a:t>
+            </a:r>
+            <a:r>
+              <a:rPr kumimoji="0" lang="zh-TW" altLang="en-US" dirty="0" smtClean="0">
+                <a:solidFill>
+                  <a:schemeClr val="tx1"/>
+                </a:solidFill>
+                <a:latin typeface="微軟正黑體" pitchFamily="34" charset="-120"/>
+                <a:ea typeface="微軟正黑體" pitchFamily="34" charset="-120"/>
+              </a:rPr>
+              <a:t>元素</a:t>
+            </a:r>
+            <a:endParaRPr kumimoji="0" lang="en-US" altLang="zh-TW" dirty="0" smtClean="0">
+              <a:solidFill>
+                <a:schemeClr val="tx1"/>
+              </a:solidFill>
+              <a:latin typeface="微軟正黑體" pitchFamily="34" charset="-120"/>
+              <a:ea typeface="微軟正黑體" pitchFamily="34" charset="-120"/>
+            </a:endParaRPr>
+          </a:p>
+          <a:p>
+            <a:pPr lvl="1" eaLnBrk="1" hangingPunct="1">
+              <a:defRPr/>
+            </a:pPr>
+            <a:r>
+              <a:rPr kumimoji="0" lang="zh-TW" altLang="en-US" dirty="0">
+                <a:solidFill>
+                  <a:schemeClr val="tx1"/>
+                </a:solidFill>
+                <a:latin typeface="微軟正黑體" pitchFamily="34" charset="-120"/>
+                <a:ea typeface="微軟正黑體" pitchFamily="34" charset="-120"/>
+              </a:rPr>
+              <a:t>區</a:t>
+            </a:r>
+            <a:r>
+              <a:rPr kumimoji="0" lang="zh-TW" altLang="en-US" dirty="0" smtClean="0">
+                <a:solidFill>
+                  <a:schemeClr val="tx1"/>
+                </a:solidFill>
+                <a:latin typeface="微軟正黑體" pitchFamily="34" charset="-120"/>
+                <a:ea typeface="微軟正黑體" pitchFamily="34" charset="-120"/>
+              </a:rPr>
+              <a:t>塊</a:t>
+            </a:r>
+            <a:endParaRPr kumimoji="0" lang="en-US" altLang="zh-TW" dirty="0" smtClean="0">
+              <a:solidFill>
+                <a:schemeClr val="tx1"/>
+              </a:solidFill>
+              <a:latin typeface="微軟正黑體" pitchFamily="34" charset="-120"/>
+              <a:ea typeface="微軟正黑體" pitchFamily="34" charset="-120"/>
+            </a:endParaRPr>
+          </a:p>
+          <a:p>
+            <a:pPr lvl="1" eaLnBrk="1" hangingPunct="1">
+              <a:defRPr/>
+            </a:pPr>
+            <a:endParaRPr kumimoji="0" lang="en-US" altLang="zh-TW" dirty="0" smtClean="0">
+              <a:solidFill>
+                <a:schemeClr val="tx1"/>
+              </a:solidFill>
+              <a:latin typeface="微軟正黑體" pitchFamily="34" charset="-120"/>
+              <a:ea typeface="微軟正黑體" pitchFamily="34" charset="-120"/>
+            </a:endParaRPr>
+          </a:p>
+          <a:p>
+            <a:pPr eaLnBrk="1" hangingPunct="1">
+              <a:defRPr/>
+            </a:pPr>
+            <a:r>
+              <a:rPr kumimoji="0" lang="zh-TW" altLang="en-US" dirty="0">
+                <a:solidFill>
+                  <a:schemeClr val="tx1"/>
+                </a:solidFill>
+                <a:latin typeface="微軟正黑體" pitchFamily="34" charset="-120"/>
+                <a:ea typeface="微軟正黑體" pitchFamily="34" charset="-120"/>
+              </a:rPr>
+              <a:t>子報表範例</a:t>
             </a:r>
             <a:endParaRPr kumimoji="0" lang="en-US" altLang="zh-TW" dirty="0" smtClean="0">
               <a:solidFill>
@@ -15332,15 +15327,7 @@
                 <a:ea typeface="微軟正黑體" charset="0"/>
                 <a:cs typeface="微軟正黑體" charset="0"/>
               </a:rPr>
-              <a:t>官網</a:t>
-            </a:r>
-            <a:r>
-              <a:rPr lang="zh-TW" altLang="en-US" baseline="0" dirty="0" smtClean="0">
-                <a:latin typeface="微軟正黑體" charset="0"/>
-                <a:ea typeface="微軟正黑體" charset="0"/>
-                <a:cs typeface="微軟正黑體" charset="0"/>
-              </a:rPr>
-              <a:t>下載</a:t>
+              <a:t>官網下載</a:t>
             </a:r>
             <a:endParaRPr lang="en-US" altLang="zh-TW" baseline="0" dirty="0" smtClean="0">
               <a:latin typeface="微軟正黑體" charset="0"/>
@@ -17147,6 +17134,24 @@
               </a:rPr>
               <a:t>Margins</a:t>
             </a:r>
+          </a:p>
+          <a:p>
+            <a:pPr marL="1200150" lvl="2" indent="-285750">
+              <a:spcBef>
+                <a:spcPct val="20000"/>
+              </a:spcBef>
+              <a:buFont typeface="Wingdings" charset="0"/>
+              <a:buChar char="n"/>
+              <a:defRPr/>
+            </a:pPr>
+            <a:r>
+              <a:rPr lang="zh-TW" altLang="en-US" baseline="0" dirty="0" smtClean="0">
+                <a:latin typeface="微軟正黑體" charset="0"/>
+                <a:ea typeface="微軟正黑體" charset="0"/>
+                <a:cs typeface="微軟正黑體" charset="0"/>
+              </a:rPr>
+              <a:t>邊界</a:t>
+            </a:r>
             <a:endParaRPr lang="en-US" altLang="zh-TW" baseline="0" dirty="0" smtClean="0">
               <a:latin typeface="微軟正黑體" charset="0"/>
               <a:ea typeface="微軟正黑體" charset="0"/>
@@ -17168,7 +17173,7 @@
                 <a:ea typeface="微軟正黑體" charset="0"/>
                 <a:cs typeface="微軟正黑體" charset="0"/>
               </a:rPr>
-              <a:t>邊界</a:t>
+              <a:t>設定邊界可能會遭遇若需求要在邊界外顯示文字時的困擾</a:t>
             </a:r>
             <a:endParaRPr lang="en-US" altLang="zh-TW" baseline="0" dirty="0" smtClean="0">
               <a:latin typeface="微軟正黑體" charset="0"/>
@@ -17177,7 +17182,7 @@
             </a:endParaRPr>
           </a:p>
           <a:p>
-            <a:pPr marL="1200150" lvl="2" indent="-285750">
+            <a:pPr marL="742950" lvl="1" indent="-285750">
               <a:spcBef>
                 <a:spcPct val="20000"/>
               </a:spcBef>
@@ -17186,29 +17191,6 @@
               <a:defRPr/>
             </a:pPr>
             <a:r>
-              <a:rPr lang="zh-TW" altLang="en-US" baseline="0" dirty="0" smtClean="0">
-                <a:latin typeface="微軟正黑體" charset="0"/>
-                <a:ea typeface="微軟正黑體" charset="0"/>
-                <a:cs typeface="微軟正黑體" charset="0"/>
-              </a:rPr>
-              <a:t>設定邊界可能會遭遇若需求要在邊界外顯示文字時的困擾</a:t>
-            </a:r>
-            <a:endParaRPr lang="en-US" altLang="zh-TW" baseline="0" dirty="0" smtClean="0">
-              <a:latin typeface="微軟正黑體" charset="0"/>
-              <a:ea typeface="微軟正黑體" charset="0"/>
-              <a:cs typeface="微軟正黑體" charset="0"/>
-            </a:endParaRPr>
-          </a:p>
-          <a:p>
-            <a:pPr marL="742950" lvl="1" indent="-285750">
-              <a:spcBef>
-                <a:spcPct val="20000"/>
-              </a:spcBef>
-              <a:buFont typeface="Wingdings" charset="0"/>
-              <a:buChar char="n"/>
-              <a:defRPr/>
-            </a:pPr>
-            <a:r>
               <a:rPr lang="en-US" altLang="zh-TW" baseline="0" dirty="0" smtClean="0">
                 <a:latin typeface="微軟正黑體" charset="0"/>
                 <a:ea typeface="微軟正黑體" charset="0"/>
@@ -17216,11 +17198,6 @@
               </a:rPr>
               <a:t>Columns</a:t>
             </a:r>
-            <a:endParaRPr lang="en-US" altLang="zh-TW" baseline="0" dirty="0" smtClean="0">
-              <a:latin typeface="微軟正黑體" charset="0"/>
-              <a:ea typeface="微軟正黑體" charset="0"/>
-              <a:cs typeface="微軟正黑體" charset="0"/>
-            </a:endParaRPr>
           </a:p>
           <a:p>
             <a:pPr marL="1200150" lvl="2" indent="-285750">
